--- a/図作成用パワーポイント/oneman.pptx
+++ b/図作成用パワーポイント/oneman.pptx
@@ -254,7 +254,7 @@
           <a:p>
             <a:fld id="{F9648FA5-BB8F-4B51-8408-4E4D8E642090}" type="datetimeFigureOut">
               <a:rPr kumimoji="1" lang="ja-JP" altLang="en-US" smtClean="0"/>
-              <a:t>2018/11/5</a:t>
+              <a:t>2020/2/14</a:t>
             </a:fld>
             <a:endParaRPr kumimoji="1" lang="ja-JP" altLang="en-US"/>
           </a:p>
@@ -456,7 +456,7 @@
           <a:p>
             <a:fld id="{F9648FA5-BB8F-4B51-8408-4E4D8E642090}" type="datetimeFigureOut">
               <a:rPr kumimoji="1" lang="ja-JP" altLang="en-US" smtClean="0"/>
-              <a:t>2018/11/5</a:t>
+              <a:t>2020/2/14</a:t>
             </a:fld>
             <a:endParaRPr kumimoji="1" lang="ja-JP" altLang="en-US"/>
           </a:p>
@@ -668,7 +668,7 @@
           <a:p>
             <a:fld id="{F9648FA5-BB8F-4B51-8408-4E4D8E642090}" type="datetimeFigureOut">
               <a:rPr kumimoji="1" lang="ja-JP" altLang="en-US" smtClean="0"/>
-              <a:t>2018/11/5</a:t>
+              <a:t>2020/2/14</a:t>
             </a:fld>
             <a:endParaRPr kumimoji="1" lang="ja-JP" altLang="en-US"/>
           </a:p>
@@ -870,7 +870,7 @@
           <a:p>
             <a:fld id="{F9648FA5-BB8F-4B51-8408-4E4D8E642090}" type="datetimeFigureOut">
               <a:rPr kumimoji="1" lang="ja-JP" altLang="en-US" smtClean="0"/>
-              <a:t>2018/11/5</a:t>
+              <a:t>2020/2/14</a:t>
             </a:fld>
             <a:endParaRPr kumimoji="1" lang="ja-JP" altLang="en-US"/>
           </a:p>
@@ -1123,7 +1123,7 @@
           <a:p>
             <a:fld id="{F9648FA5-BB8F-4B51-8408-4E4D8E642090}" type="datetimeFigureOut">
               <a:rPr kumimoji="1" lang="ja-JP" altLang="en-US" smtClean="0"/>
-              <a:t>2018/11/5</a:t>
+              <a:t>2020/2/14</a:t>
             </a:fld>
             <a:endParaRPr kumimoji="1" lang="ja-JP" altLang="en-US"/>
           </a:p>
@@ -1419,7 +1419,7 @@
           <a:p>
             <a:fld id="{F9648FA5-BB8F-4B51-8408-4E4D8E642090}" type="datetimeFigureOut">
               <a:rPr kumimoji="1" lang="ja-JP" altLang="en-US" smtClean="0"/>
-              <a:t>2018/11/5</a:t>
+              <a:t>2020/2/14</a:t>
             </a:fld>
             <a:endParaRPr kumimoji="1" lang="ja-JP" altLang="en-US"/>
           </a:p>
@@ -1850,7 +1850,7 @@
           <a:p>
             <a:fld id="{F9648FA5-BB8F-4B51-8408-4E4D8E642090}" type="datetimeFigureOut">
               <a:rPr kumimoji="1" lang="ja-JP" altLang="en-US" smtClean="0"/>
-              <a:t>2018/11/5</a:t>
+              <a:t>2020/2/14</a:t>
             </a:fld>
             <a:endParaRPr kumimoji="1" lang="ja-JP" altLang="en-US"/>
           </a:p>
@@ -1968,7 +1968,7 @@
           <a:p>
             <a:fld id="{F9648FA5-BB8F-4B51-8408-4E4D8E642090}" type="datetimeFigureOut">
               <a:rPr kumimoji="1" lang="ja-JP" altLang="en-US" smtClean="0"/>
-              <a:t>2018/11/5</a:t>
+              <a:t>2020/2/14</a:t>
             </a:fld>
             <a:endParaRPr kumimoji="1" lang="ja-JP" altLang="en-US"/>
           </a:p>
@@ -2063,7 +2063,7 @@
           <a:p>
             <a:fld id="{F9648FA5-BB8F-4B51-8408-4E4D8E642090}" type="datetimeFigureOut">
               <a:rPr kumimoji="1" lang="ja-JP" altLang="en-US" smtClean="0"/>
-              <a:t>2018/11/5</a:t>
+              <a:t>2020/2/14</a:t>
             </a:fld>
             <a:endParaRPr kumimoji="1" lang="ja-JP" altLang="en-US"/>
           </a:p>
@@ -2372,7 +2372,7 @@
           <a:p>
             <a:fld id="{F9648FA5-BB8F-4B51-8408-4E4D8E642090}" type="datetimeFigureOut">
               <a:rPr kumimoji="1" lang="ja-JP" altLang="en-US" smtClean="0"/>
-              <a:t>2018/11/5</a:t>
+              <a:t>2020/2/14</a:t>
             </a:fld>
             <a:endParaRPr kumimoji="1" lang="ja-JP" altLang="en-US"/>
           </a:p>
@@ -2625,7 +2625,7 @@
           <a:p>
             <a:fld id="{F9648FA5-BB8F-4B51-8408-4E4D8E642090}" type="datetimeFigureOut">
               <a:rPr kumimoji="1" lang="ja-JP" altLang="en-US" smtClean="0"/>
-              <a:t>2018/11/5</a:t>
+              <a:t>2020/2/14</a:t>
             </a:fld>
             <a:endParaRPr kumimoji="1" lang="ja-JP" altLang="en-US"/>
           </a:p>
@@ -2870,7 +2870,7 @@
           <a:p>
             <a:fld id="{F9648FA5-BB8F-4B51-8408-4E4D8E642090}" type="datetimeFigureOut">
               <a:rPr kumimoji="1" lang="ja-JP" altLang="en-US" smtClean="0"/>
-              <a:t>2018/11/5</a:t>
+              <a:t>2020/2/14</a:t>
             </a:fld>
             <a:endParaRPr kumimoji="1" lang="ja-JP" altLang="en-US"/>
           </a:p>
@@ -3294,7 +3294,7 @@
             <p:cNvPr id="4" name="正方形/長方形 3">
               <a:extLst>
                 <a:ext uri="{FF2B5EF4-FFF2-40B4-BE49-F238E27FC236}">
-                  <a16:creationId xmlns:a16="http://schemas.microsoft.com/office/drawing/2014/main" xmlns="" id="{403471C3-EE28-47A4-91CE-E5B9DD16D970}"/>
+                  <a16:creationId xmlns="" xmlns:a16="http://schemas.microsoft.com/office/drawing/2014/main" id="{403471C3-EE28-47A4-91CE-E5B9DD16D970}"/>
                 </a:ext>
               </a:extLst>
             </p:cNvPr>
@@ -3342,7 +3342,7 @@
             <p:cNvPr id="5" name="正方形/長方形 4">
               <a:extLst>
                 <a:ext uri="{FF2B5EF4-FFF2-40B4-BE49-F238E27FC236}">
-                  <a16:creationId xmlns:a16="http://schemas.microsoft.com/office/drawing/2014/main" xmlns="" id="{D4583559-8246-4D47-8698-E4302FC6CB03}"/>
+                  <a16:creationId xmlns="" xmlns:a16="http://schemas.microsoft.com/office/drawing/2014/main" id="{D4583559-8246-4D47-8698-E4302FC6CB03}"/>
                 </a:ext>
               </a:extLst>
             </p:cNvPr>
@@ -3396,7 +3396,7 @@
             <p:cNvPr id="6" name="正方形/長方形 5">
               <a:extLst>
                 <a:ext uri="{FF2B5EF4-FFF2-40B4-BE49-F238E27FC236}">
-                  <a16:creationId xmlns:a16="http://schemas.microsoft.com/office/drawing/2014/main" xmlns="" id="{73D92D25-2702-4780-AD55-5C092EA27366}"/>
+                  <a16:creationId xmlns="" xmlns:a16="http://schemas.microsoft.com/office/drawing/2014/main" id="{73D92D25-2702-4780-AD55-5C092EA27366}"/>
                 </a:ext>
               </a:extLst>
             </p:cNvPr>
@@ -3445,7 +3445,7 @@
             <p:cNvPr id="7" name="正方形/長方形 6">
               <a:extLst>
                 <a:ext uri="{FF2B5EF4-FFF2-40B4-BE49-F238E27FC236}">
-                  <a16:creationId xmlns:a16="http://schemas.microsoft.com/office/drawing/2014/main" xmlns="" id="{ECFAA7E5-2F5C-430D-B4CE-E49BDA50AE01}"/>
+                  <a16:creationId xmlns="" xmlns:a16="http://schemas.microsoft.com/office/drawing/2014/main" id="{ECFAA7E5-2F5C-430D-B4CE-E49BDA50AE01}"/>
                 </a:ext>
               </a:extLst>
             </p:cNvPr>
@@ -3494,7 +3494,7 @@
             <p:cNvPr id="8" name="正方形/長方形 7">
               <a:extLst>
                 <a:ext uri="{FF2B5EF4-FFF2-40B4-BE49-F238E27FC236}">
-                  <a16:creationId xmlns:a16="http://schemas.microsoft.com/office/drawing/2014/main" xmlns="" id="{6F71A11A-0546-4EF4-A281-30C87112E8E0}"/>
+                  <a16:creationId xmlns="" xmlns:a16="http://schemas.microsoft.com/office/drawing/2014/main" id="{6F71A11A-0546-4EF4-A281-30C87112E8E0}"/>
                 </a:ext>
               </a:extLst>
             </p:cNvPr>
@@ -3548,7 +3548,7 @@
             <p:cNvPr id="9" name="正方形/長方形 8">
               <a:extLst>
                 <a:ext uri="{FF2B5EF4-FFF2-40B4-BE49-F238E27FC236}">
-                  <a16:creationId xmlns:a16="http://schemas.microsoft.com/office/drawing/2014/main" xmlns="" id="{96734E08-3C7C-4F0C-925C-F86BC1442BDD}"/>
+                  <a16:creationId xmlns="" xmlns:a16="http://schemas.microsoft.com/office/drawing/2014/main" id="{96734E08-3C7C-4F0C-925C-F86BC1442BDD}"/>
                 </a:ext>
               </a:extLst>
             </p:cNvPr>
@@ -3602,7 +3602,7 @@
             <p:cNvPr id="10" name="正方形/長方形 9">
               <a:extLst>
                 <a:ext uri="{FF2B5EF4-FFF2-40B4-BE49-F238E27FC236}">
-                  <a16:creationId xmlns:a16="http://schemas.microsoft.com/office/drawing/2014/main" xmlns="" id="{E9B45711-EBB4-4C4C-BBBB-0FD330964757}"/>
+                  <a16:creationId xmlns="" xmlns:a16="http://schemas.microsoft.com/office/drawing/2014/main" id="{E9B45711-EBB4-4C4C-BBBB-0FD330964757}"/>
                 </a:ext>
               </a:extLst>
             </p:cNvPr>
@@ -3651,7 +3651,7 @@
             <p:cNvPr id="11" name="正方形/長方形 10">
               <a:extLst>
                 <a:ext uri="{FF2B5EF4-FFF2-40B4-BE49-F238E27FC236}">
-                  <a16:creationId xmlns:a16="http://schemas.microsoft.com/office/drawing/2014/main" xmlns="" id="{24D89E65-51EB-4198-B6C7-FDAF891583B9}"/>
+                  <a16:creationId xmlns="" xmlns:a16="http://schemas.microsoft.com/office/drawing/2014/main" id="{24D89E65-51EB-4198-B6C7-FDAF891583B9}"/>
                 </a:ext>
               </a:extLst>
             </p:cNvPr>
@@ -3700,7 +3700,7 @@
             <p:cNvPr id="12" name="正方形/長方形 11">
               <a:extLst>
                 <a:ext uri="{FF2B5EF4-FFF2-40B4-BE49-F238E27FC236}">
-                  <a16:creationId xmlns:a16="http://schemas.microsoft.com/office/drawing/2014/main" xmlns="" id="{7689586B-6CE2-4164-BF82-A9717332A424}"/>
+                  <a16:creationId xmlns="" xmlns:a16="http://schemas.microsoft.com/office/drawing/2014/main" id="{7689586B-6CE2-4164-BF82-A9717332A424}"/>
                 </a:ext>
               </a:extLst>
             </p:cNvPr>
@@ -3749,7 +3749,7 @@
             <p:cNvPr id="13" name="正方形/長方形 12">
               <a:extLst>
                 <a:ext uri="{FF2B5EF4-FFF2-40B4-BE49-F238E27FC236}">
-                  <a16:creationId xmlns:a16="http://schemas.microsoft.com/office/drawing/2014/main" xmlns="" id="{ED15DA40-951C-466C-876F-F6A24375EC23}"/>
+                  <a16:creationId xmlns="" xmlns:a16="http://schemas.microsoft.com/office/drawing/2014/main" id="{ED15DA40-951C-466C-876F-F6A24375EC23}"/>
                 </a:ext>
               </a:extLst>
             </p:cNvPr>
@@ -3813,7 +3813,7 @@
             <p:cNvPr id="44" name="正方形/長方形 43">
               <a:extLst>
                 <a:ext uri="{FF2B5EF4-FFF2-40B4-BE49-F238E27FC236}">
-                  <a16:creationId xmlns:a16="http://schemas.microsoft.com/office/drawing/2014/main" xmlns="" id="{403471C3-EE28-47A4-91CE-E5B9DD16D970}"/>
+                  <a16:creationId xmlns="" xmlns:a16="http://schemas.microsoft.com/office/drawing/2014/main" id="{403471C3-EE28-47A4-91CE-E5B9DD16D970}"/>
                 </a:ext>
               </a:extLst>
             </p:cNvPr>
@@ -3861,7 +3861,7 @@
             <p:cNvPr id="45" name="正方形/長方形 44">
               <a:extLst>
                 <a:ext uri="{FF2B5EF4-FFF2-40B4-BE49-F238E27FC236}">
-                  <a16:creationId xmlns:a16="http://schemas.microsoft.com/office/drawing/2014/main" xmlns="" id="{D4583559-8246-4D47-8698-E4302FC6CB03}"/>
+                  <a16:creationId xmlns="" xmlns:a16="http://schemas.microsoft.com/office/drawing/2014/main" id="{D4583559-8246-4D47-8698-E4302FC6CB03}"/>
                 </a:ext>
               </a:extLst>
             </p:cNvPr>
@@ -3915,7 +3915,7 @@
             <p:cNvPr id="46" name="正方形/長方形 45">
               <a:extLst>
                 <a:ext uri="{FF2B5EF4-FFF2-40B4-BE49-F238E27FC236}">
-                  <a16:creationId xmlns:a16="http://schemas.microsoft.com/office/drawing/2014/main" xmlns="" id="{73D92D25-2702-4780-AD55-5C092EA27366}"/>
+                  <a16:creationId xmlns="" xmlns:a16="http://schemas.microsoft.com/office/drawing/2014/main" id="{73D92D25-2702-4780-AD55-5C092EA27366}"/>
                 </a:ext>
               </a:extLst>
             </p:cNvPr>
@@ -3964,7 +3964,7 @@
             <p:cNvPr id="47" name="正方形/長方形 46">
               <a:extLst>
                 <a:ext uri="{FF2B5EF4-FFF2-40B4-BE49-F238E27FC236}">
-                  <a16:creationId xmlns:a16="http://schemas.microsoft.com/office/drawing/2014/main" xmlns="" id="{ECFAA7E5-2F5C-430D-B4CE-E49BDA50AE01}"/>
+                  <a16:creationId xmlns="" xmlns:a16="http://schemas.microsoft.com/office/drawing/2014/main" id="{ECFAA7E5-2F5C-430D-B4CE-E49BDA50AE01}"/>
                 </a:ext>
               </a:extLst>
             </p:cNvPr>
@@ -4018,7 +4018,7 @@
             <p:cNvPr id="48" name="正方形/長方形 47">
               <a:extLst>
                 <a:ext uri="{FF2B5EF4-FFF2-40B4-BE49-F238E27FC236}">
-                  <a16:creationId xmlns:a16="http://schemas.microsoft.com/office/drawing/2014/main" xmlns="" id="{6F71A11A-0546-4EF4-A281-30C87112E8E0}"/>
+                  <a16:creationId xmlns="" xmlns:a16="http://schemas.microsoft.com/office/drawing/2014/main" id="{6F71A11A-0546-4EF4-A281-30C87112E8E0}"/>
                 </a:ext>
               </a:extLst>
             </p:cNvPr>
@@ -4072,7 +4072,7 @@
             <p:cNvPr id="49" name="正方形/長方形 48">
               <a:extLst>
                 <a:ext uri="{FF2B5EF4-FFF2-40B4-BE49-F238E27FC236}">
-                  <a16:creationId xmlns:a16="http://schemas.microsoft.com/office/drawing/2014/main" xmlns="" id="{96734E08-3C7C-4F0C-925C-F86BC1442BDD}"/>
+                  <a16:creationId xmlns="" xmlns:a16="http://schemas.microsoft.com/office/drawing/2014/main" id="{96734E08-3C7C-4F0C-925C-F86BC1442BDD}"/>
                 </a:ext>
               </a:extLst>
             </p:cNvPr>
@@ -4126,7 +4126,7 @@
             <p:cNvPr id="50" name="正方形/長方形 49">
               <a:extLst>
                 <a:ext uri="{FF2B5EF4-FFF2-40B4-BE49-F238E27FC236}">
-                  <a16:creationId xmlns:a16="http://schemas.microsoft.com/office/drawing/2014/main" xmlns="" id="{E9B45711-EBB4-4C4C-BBBB-0FD330964757}"/>
+                  <a16:creationId xmlns="" xmlns:a16="http://schemas.microsoft.com/office/drawing/2014/main" id="{E9B45711-EBB4-4C4C-BBBB-0FD330964757}"/>
                 </a:ext>
               </a:extLst>
             </p:cNvPr>
@@ -4180,7 +4180,7 @@
             <p:cNvPr id="51" name="正方形/長方形 50">
               <a:extLst>
                 <a:ext uri="{FF2B5EF4-FFF2-40B4-BE49-F238E27FC236}">
-                  <a16:creationId xmlns:a16="http://schemas.microsoft.com/office/drawing/2014/main" xmlns="" id="{24D89E65-51EB-4198-B6C7-FDAF891583B9}"/>
+                  <a16:creationId xmlns="" xmlns:a16="http://schemas.microsoft.com/office/drawing/2014/main" id="{24D89E65-51EB-4198-B6C7-FDAF891583B9}"/>
                 </a:ext>
               </a:extLst>
             </p:cNvPr>
@@ -4229,7 +4229,7 @@
             <p:cNvPr id="52" name="正方形/長方形 51">
               <a:extLst>
                 <a:ext uri="{FF2B5EF4-FFF2-40B4-BE49-F238E27FC236}">
-                  <a16:creationId xmlns:a16="http://schemas.microsoft.com/office/drawing/2014/main" xmlns="" id="{7689586B-6CE2-4164-BF82-A9717332A424}"/>
+                  <a16:creationId xmlns="" xmlns:a16="http://schemas.microsoft.com/office/drawing/2014/main" id="{7689586B-6CE2-4164-BF82-A9717332A424}"/>
                 </a:ext>
               </a:extLst>
             </p:cNvPr>
@@ -4278,7 +4278,7 @@
             <p:cNvPr id="53" name="正方形/長方形 52">
               <a:extLst>
                 <a:ext uri="{FF2B5EF4-FFF2-40B4-BE49-F238E27FC236}">
-                  <a16:creationId xmlns:a16="http://schemas.microsoft.com/office/drawing/2014/main" xmlns="" id="{ED15DA40-951C-466C-876F-F6A24375EC23}"/>
+                  <a16:creationId xmlns="" xmlns:a16="http://schemas.microsoft.com/office/drawing/2014/main" id="{ED15DA40-951C-466C-876F-F6A24375EC23}"/>
                 </a:ext>
               </a:extLst>
             </p:cNvPr>
@@ -4382,8 +4382,8 @@
         </p:nvSpPr>
         <p:spPr>
           <a:xfrm>
-            <a:off x="4990626" y="2232576"/>
-            <a:ext cx="2247731" cy="954107"/>
+            <a:off x="5374429" y="2546108"/>
+            <a:ext cx="1390124" cy="523220"/>
           </a:xfrm>
           <a:prstGeom prst="rect">
             <a:avLst/>
@@ -4397,27 +4397,12 @@
           <a:lstStyle/>
           <a:p>
             <a:r>
+              <a:rPr lang="en-US" altLang="ja-JP" sz="2800" dirty="0" smtClean="0"/>
+              <a:t>2</a:t>
+            </a:r>
+            <a:r>
               <a:rPr lang="ja-JP" altLang="en-US" sz="2800" dirty="0" smtClean="0"/>
-              <a:t>ピボットを</a:t>
-            </a:r>
-            <a:endParaRPr lang="en-US" altLang="ja-JP" sz="2800" dirty="0" smtClean="0"/>
-          </a:p>
-          <a:p>
-            <a:r>
-              <a:rPr kumimoji="1" lang="en-US" altLang="ja-JP" sz="2800" dirty="0" smtClean="0"/>
-              <a:t>1</a:t>
-            </a:r>
-            <a:r>
-              <a:rPr kumimoji="1" lang="ja-JP" altLang="en-US" sz="2800" dirty="0" smtClean="0"/>
-              <a:t>から</a:t>
-            </a:r>
-            <a:r>
-              <a:rPr kumimoji="1" lang="en-US" altLang="ja-JP" sz="2800" dirty="0" smtClean="0"/>
-              <a:t>2</a:t>
-            </a:r>
-            <a:r>
-              <a:rPr kumimoji="1" lang="ja-JP" altLang="en-US" sz="2800" dirty="0" smtClean="0"/>
-              <a:t>に変更</a:t>
+              <a:t>を宣言</a:t>
             </a:r>
             <a:endParaRPr kumimoji="1" lang="ja-JP" altLang="en-US" sz="2800" dirty="0"/>
           </a:p>

--- a/図作成用パワーポイント/oneman.pptx
+++ b/図作成用パワーポイント/oneman.pptx
@@ -254,7 +254,7 @@
           <a:p>
             <a:fld id="{F9648FA5-BB8F-4B51-8408-4E4D8E642090}" type="datetimeFigureOut">
               <a:rPr kumimoji="1" lang="ja-JP" altLang="en-US" smtClean="0"/>
-              <a:t>2020/2/14</a:t>
+              <a:t>2020/2/18</a:t>
             </a:fld>
             <a:endParaRPr kumimoji="1" lang="ja-JP" altLang="en-US"/>
           </a:p>
@@ -456,7 +456,7 @@
           <a:p>
             <a:fld id="{F9648FA5-BB8F-4B51-8408-4E4D8E642090}" type="datetimeFigureOut">
               <a:rPr kumimoji="1" lang="ja-JP" altLang="en-US" smtClean="0"/>
-              <a:t>2020/2/14</a:t>
+              <a:t>2020/2/18</a:t>
             </a:fld>
             <a:endParaRPr kumimoji="1" lang="ja-JP" altLang="en-US"/>
           </a:p>
@@ -668,7 +668,7 @@
           <a:p>
             <a:fld id="{F9648FA5-BB8F-4B51-8408-4E4D8E642090}" type="datetimeFigureOut">
               <a:rPr kumimoji="1" lang="ja-JP" altLang="en-US" smtClean="0"/>
-              <a:t>2020/2/14</a:t>
+              <a:t>2020/2/18</a:t>
             </a:fld>
             <a:endParaRPr kumimoji="1" lang="ja-JP" altLang="en-US"/>
           </a:p>
@@ -870,7 +870,7 @@
           <a:p>
             <a:fld id="{F9648FA5-BB8F-4B51-8408-4E4D8E642090}" type="datetimeFigureOut">
               <a:rPr kumimoji="1" lang="ja-JP" altLang="en-US" smtClean="0"/>
-              <a:t>2020/2/14</a:t>
+              <a:t>2020/2/18</a:t>
             </a:fld>
             <a:endParaRPr kumimoji="1" lang="ja-JP" altLang="en-US"/>
           </a:p>
@@ -1123,7 +1123,7 @@
           <a:p>
             <a:fld id="{F9648FA5-BB8F-4B51-8408-4E4D8E642090}" type="datetimeFigureOut">
               <a:rPr kumimoji="1" lang="ja-JP" altLang="en-US" smtClean="0"/>
-              <a:t>2020/2/14</a:t>
+              <a:t>2020/2/18</a:t>
             </a:fld>
             <a:endParaRPr kumimoji="1" lang="ja-JP" altLang="en-US"/>
           </a:p>
@@ -1419,7 +1419,7 @@
           <a:p>
             <a:fld id="{F9648FA5-BB8F-4B51-8408-4E4D8E642090}" type="datetimeFigureOut">
               <a:rPr kumimoji="1" lang="ja-JP" altLang="en-US" smtClean="0"/>
-              <a:t>2020/2/14</a:t>
+              <a:t>2020/2/18</a:t>
             </a:fld>
             <a:endParaRPr kumimoji="1" lang="ja-JP" altLang="en-US"/>
           </a:p>
@@ -1850,7 +1850,7 @@
           <a:p>
             <a:fld id="{F9648FA5-BB8F-4B51-8408-4E4D8E642090}" type="datetimeFigureOut">
               <a:rPr kumimoji="1" lang="ja-JP" altLang="en-US" smtClean="0"/>
-              <a:t>2020/2/14</a:t>
+              <a:t>2020/2/18</a:t>
             </a:fld>
             <a:endParaRPr kumimoji="1" lang="ja-JP" altLang="en-US"/>
           </a:p>
@@ -1968,7 +1968,7 @@
           <a:p>
             <a:fld id="{F9648FA5-BB8F-4B51-8408-4E4D8E642090}" type="datetimeFigureOut">
               <a:rPr kumimoji="1" lang="ja-JP" altLang="en-US" smtClean="0"/>
-              <a:t>2020/2/14</a:t>
+              <a:t>2020/2/18</a:t>
             </a:fld>
             <a:endParaRPr kumimoji="1" lang="ja-JP" altLang="en-US"/>
           </a:p>
@@ -2063,7 +2063,7 @@
           <a:p>
             <a:fld id="{F9648FA5-BB8F-4B51-8408-4E4D8E642090}" type="datetimeFigureOut">
               <a:rPr kumimoji="1" lang="ja-JP" altLang="en-US" smtClean="0"/>
-              <a:t>2020/2/14</a:t>
+              <a:t>2020/2/18</a:t>
             </a:fld>
             <a:endParaRPr kumimoji="1" lang="ja-JP" altLang="en-US"/>
           </a:p>
@@ -2372,7 +2372,7 @@
           <a:p>
             <a:fld id="{F9648FA5-BB8F-4B51-8408-4E4D8E642090}" type="datetimeFigureOut">
               <a:rPr kumimoji="1" lang="ja-JP" altLang="en-US" smtClean="0"/>
-              <a:t>2020/2/14</a:t>
+              <a:t>2020/2/18</a:t>
             </a:fld>
             <a:endParaRPr kumimoji="1" lang="ja-JP" altLang="en-US"/>
           </a:p>
@@ -2625,7 +2625,7 @@
           <a:p>
             <a:fld id="{F9648FA5-BB8F-4B51-8408-4E4D8E642090}" type="datetimeFigureOut">
               <a:rPr kumimoji="1" lang="ja-JP" altLang="en-US" smtClean="0"/>
-              <a:t>2020/2/14</a:t>
+              <a:t>2020/2/18</a:t>
             </a:fld>
             <a:endParaRPr kumimoji="1" lang="ja-JP" altLang="en-US"/>
           </a:p>
@@ -2870,7 +2870,7 @@
           <a:p>
             <a:fld id="{F9648FA5-BB8F-4B51-8408-4E4D8E642090}" type="datetimeFigureOut">
               <a:rPr kumimoji="1" lang="ja-JP" altLang="en-US" smtClean="0"/>
-              <a:t>2020/2/14</a:t>
+              <a:t>2020/2/18</a:t>
             </a:fld>
             <a:endParaRPr kumimoji="1" lang="ja-JP" altLang="en-US"/>
           </a:p>
@@ -3294,7 +3294,7 @@
             <p:cNvPr id="4" name="正方形/長方形 3">
               <a:extLst>
                 <a:ext uri="{FF2B5EF4-FFF2-40B4-BE49-F238E27FC236}">
-                  <a16:creationId xmlns="" xmlns:a16="http://schemas.microsoft.com/office/drawing/2014/main" id="{403471C3-EE28-47A4-91CE-E5B9DD16D970}"/>
+                  <a16:creationId xmlns:a16="http://schemas.microsoft.com/office/drawing/2014/main" xmlns="" id="{403471C3-EE28-47A4-91CE-E5B9DD16D970}"/>
                 </a:ext>
               </a:extLst>
             </p:cNvPr>
@@ -3342,7 +3342,7 @@
             <p:cNvPr id="5" name="正方形/長方形 4">
               <a:extLst>
                 <a:ext uri="{FF2B5EF4-FFF2-40B4-BE49-F238E27FC236}">
-                  <a16:creationId xmlns="" xmlns:a16="http://schemas.microsoft.com/office/drawing/2014/main" id="{D4583559-8246-4D47-8698-E4302FC6CB03}"/>
+                  <a16:creationId xmlns:a16="http://schemas.microsoft.com/office/drawing/2014/main" xmlns="" id="{D4583559-8246-4D47-8698-E4302FC6CB03}"/>
                 </a:ext>
               </a:extLst>
             </p:cNvPr>
@@ -3396,7 +3396,7 @@
             <p:cNvPr id="6" name="正方形/長方形 5">
               <a:extLst>
                 <a:ext uri="{FF2B5EF4-FFF2-40B4-BE49-F238E27FC236}">
-                  <a16:creationId xmlns="" xmlns:a16="http://schemas.microsoft.com/office/drawing/2014/main" id="{73D92D25-2702-4780-AD55-5C092EA27366}"/>
+                  <a16:creationId xmlns:a16="http://schemas.microsoft.com/office/drawing/2014/main" xmlns="" id="{73D92D25-2702-4780-AD55-5C092EA27366}"/>
                 </a:ext>
               </a:extLst>
             </p:cNvPr>
@@ -3445,7 +3445,7 @@
             <p:cNvPr id="7" name="正方形/長方形 6">
               <a:extLst>
                 <a:ext uri="{FF2B5EF4-FFF2-40B4-BE49-F238E27FC236}">
-                  <a16:creationId xmlns="" xmlns:a16="http://schemas.microsoft.com/office/drawing/2014/main" id="{ECFAA7E5-2F5C-430D-B4CE-E49BDA50AE01}"/>
+                  <a16:creationId xmlns:a16="http://schemas.microsoft.com/office/drawing/2014/main" xmlns="" id="{ECFAA7E5-2F5C-430D-B4CE-E49BDA50AE01}"/>
                 </a:ext>
               </a:extLst>
             </p:cNvPr>
@@ -3494,7 +3494,7 @@
             <p:cNvPr id="8" name="正方形/長方形 7">
               <a:extLst>
                 <a:ext uri="{FF2B5EF4-FFF2-40B4-BE49-F238E27FC236}">
-                  <a16:creationId xmlns="" xmlns:a16="http://schemas.microsoft.com/office/drawing/2014/main" id="{6F71A11A-0546-4EF4-A281-30C87112E8E0}"/>
+                  <a16:creationId xmlns:a16="http://schemas.microsoft.com/office/drawing/2014/main" xmlns="" id="{6F71A11A-0546-4EF4-A281-30C87112E8E0}"/>
                 </a:ext>
               </a:extLst>
             </p:cNvPr>
@@ -3548,7 +3548,7 @@
             <p:cNvPr id="9" name="正方形/長方形 8">
               <a:extLst>
                 <a:ext uri="{FF2B5EF4-FFF2-40B4-BE49-F238E27FC236}">
-                  <a16:creationId xmlns="" xmlns:a16="http://schemas.microsoft.com/office/drawing/2014/main" id="{96734E08-3C7C-4F0C-925C-F86BC1442BDD}"/>
+                  <a16:creationId xmlns:a16="http://schemas.microsoft.com/office/drawing/2014/main" xmlns="" id="{96734E08-3C7C-4F0C-925C-F86BC1442BDD}"/>
                 </a:ext>
               </a:extLst>
             </p:cNvPr>
@@ -3602,7 +3602,7 @@
             <p:cNvPr id="10" name="正方形/長方形 9">
               <a:extLst>
                 <a:ext uri="{FF2B5EF4-FFF2-40B4-BE49-F238E27FC236}">
-                  <a16:creationId xmlns="" xmlns:a16="http://schemas.microsoft.com/office/drawing/2014/main" id="{E9B45711-EBB4-4C4C-BBBB-0FD330964757}"/>
+                  <a16:creationId xmlns:a16="http://schemas.microsoft.com/office/drawing/2014/main" xmlns="" id="{E9B45711-EBB4-4C4C-BBBB-0FD330964757}"/>
                 </a:ext>
               </a:extLst>
             </p:cNvPr>
@@ -3651,7 +3651,7 @@
             <p:cNvPr id="11" name="正方形/長方形 10">
               <a:extLst>
                 <a:ext uri="{FF2B5EF4-FFF2-40B4-BE49-F238E27FC236}">
-                  <a16:creationId xmlns="" xmlns:a16="http://schemas.microsoft.com/office/drawing/2014/main" id="{24D89E65-51EB-4198-B6C7-FDAF891583B9}"/>
+                  <a16:creationId xmlns:a16="http://schemas.microsoft.com/office/drawing/2014/main" xmlns="" id="{24D89E65-51EB-4198-B6C7-FDAF891583B9}"/>
                 </a:ext>
               </a:extLst>
             </p:cNvPr>
@@ -3700,7 +3700,7 @@
             <p:cNvPr id="12" name="正方形/長方形 11">
               <a:extLst>
                 <a:ext uri="{FF2B5EF4-FFF2-40B4-BE49-F238E27FC236}">
-                  <a16:creationId xmlns="" xmlns:a16="http://schemas.microsoft.com/office/drawing/2014/main" id="{7689586B-6CE2-4164-BF82-A9717332A424}"/>
+                  <a16:creationId xmlns:a16="http://schemas.microsoft.com/office/drawing/2014/main" xmlns="" id="{7689586B-6CE2-4164-BF82-A9717332A424}"/>
                 </a:ext>
               </a:extLst>
             </p:cNvPr>
@@ -3749,7 +3749,7 @@
             <p:cNvPr id="13" name="正方形/長方形 12">
               <a:extLst>
                 <a:ext uri="{FF2B5EF4-FFF2-40B4-BE49-F238E27FC236}">
-                  <a16:creationId xmlns="" xmlns:a16="http://schemas.microsoft.com/office/drawing/2014/main" id="{ED15DA40-951C-466C-876F-F6A24375EC23}"/>
+                  <a16:creationId xmlns:a16="http://schemas.microsoft.com/office/drawing/2014/main" xmlns="" id="{ED15DA40-951C-466C-876F-F6A24375EC23}"/>
                 </a:ext>
               </a:extLst>
             </p:cNvPr>
@@ -3813,7 +3813,7 @@
             <p:cNvPr id="44" name="正方形/長方形 43">
               <a:extLst>
                 <a:ext uri="{FF2B5EF4-FFF2-40B4-BE49-F238E27FC236}">
-                  <a16:creationId xmlns="" xmlns:a16="http://schemas.microsoft.com/office/drawing/2014/main" id="{403471C3-EE28-47A4-91CE-E5B9DD16D970}"/>
+                  <a16:creationId xmlns:a16="http://schemas.microsoft.com/office/drawing/2014/main" xmlns="" id="{403471C3-EE28-47A4-91CE-E5B9DD16D970}"/>
                 </a:ext>
               </a:extLst>
             </p:cNvPr>
@@ -3861,7 +3861,7 @@
             <p:cNvPr id="45" name="正方形/長方形 44">
               <a:extLst>
                 <a:ext uri="{FF2B5EF4-FFF2-40B4-BE49-F238E27FC236}">
-                  <a16:creationId xmlns="" xmlns:a16="http://schemas.microsoft.com/office/drawing/2014/main" id="{D4583559-8246-4D47-8698-E4302FC6CB03}"/>
+                  <a16:creationId xmlns:a16="http://schemas.microsoft.com/office/drawing/2014/main" xmlns="" id="{D4583559-8246-4D47-8698-E4302FC6CB03}"/>
                 </a:ext>
               </a:extLst>
             </p:cNvPr>
@@ -3915,7 +3915,7 @@
             <p:cNvPr id="46" name="正方形/長方形 45">
               <a:extLst>
                 <a:ext uri="{FF2B5EF4-FFF2-40B4-BE49-F238E27FC236}">
-                  <a16:creationId xmlns="" xmlns:a16="http://schemas.microsoft.com/office/drawing/2014/main" id="{73D92D25-2702-4780-AD55-5C092EA27366}"/>
+                  <a16:creationId xmlns:a16="http://schemas.microsoft.com/office/drawing/2014/main" xmlns="" id="{73D92D25-2702-4780-AD55-5C092EA27366}"/>
                 </a:ext>
               </a:extLst>
             </p:cNvPr>
@@ -3964,7 +3964,7 @@
             <p:cNvPr id="47" name="正方形/長方形 46">
               <a:extLst>
                 <a:ext uri="{FF2B5EF4-FFF2-40B4-BE49-F238E27FC236}">
-                  <a16:creationId xmlns="" xmlns:a16="http://schemas.microsoft.com/office/drawing/2014/main" id="{ECFAA7E5-2F5C-430D-B4CE-E49BDA50AE01}"/>
+                  <a16:creationId xmlns:a16="http://schemas.microsoft.com/office/drawing/2014/main" xmlns="" id="{ECFAA7E5-2F5C-430D-B4CE-E49BDA50AE01}"/>
                 </a:ext>
               </a:extLst>
             </p:cNvPr>
@@ -4018,7 +4018,7 @@
             <p:cNvPr id="48" name="正方形/長方形 47">
               <a:extLst>
                 <a:ext uri="{FF2B5EF4-FFF2-40B4-BE49-F238E27FC236}">
-                  <a16:creationId xmlns="" xmlns:a16="http://schemas.microsoft.com/office/drawing/2014/main" id="{6F71A11A-0546-4EF4-A281-30C87112E8E0}"/>
+                  <a16:creationId xmlns:a16="http://schemas.microsoft.com/office/drawing/2014/main" xmlns="" id="{6F71A11A-0546-4EF4-A281-30C87112E8E0}"/>
                 </a:ext>
               </a:extLst>
             </p:cNvPr>
@@ -4072,7 +4072,7 @@
             <p:cNvPr id="49" name="正方形/長方形 48">
               <a:extLst>
                 <a:ext uri="{FF2B5EF4-FFF2-40B4-BE49-F238E27FC236}">
-                  <a16:creationId xmlns="" xmlns:a16="http://schemas.microsoft.com/office/drawing/2014/main" id="{96734E08-3C7C-4F0C-925C-F86BC1442BDD}"/>
+                  <a16:creationId xmlns:a16="http://schemas.microsoft.com/office/drawing/2014/main" xmlns="" id="{96734E08-3C7C-4F0C-925C-F86BC1442BDD}"/>
                 </a:ext>
               </a:extLst>
             </p:cNvPr>
@@ -4126,7 +4126,7 @@
             <p:cNvPr id="50" name="正方形/長方形 49">
               <a:extLst>
                 <a:ext uri="{FF2B5EF4-FFF2-40B4-BE49-F238E27FC236}">
-                  <a16:creationId xmlns="" xmlns:a16="http://schemas.microsoft.com/office/drawing/2014/main" id="{E9B45711-EBB4-4C4C-BBBB-0FD330964757}"/>
+                  <a16:creationId xmlns:a16="http://schemas.microsoft.com/office/drawing/2014/main" xmlns="" id="{E9B45711-EBB4-4C4C-BBBB-0FD330964757}"/>
                 </a:ext>
               </a:extLst>
             </p:cNvPr>
@@ -4180,7 +4180,7 @@
             <p:cNvPr id="51" name="正方形/長方形 50">
               <a:extLst>
                 <a:ext uri="{FF2B5EF4-FFF2-40B4-BE49-F238E27FC236}">
-                  <a16:creationId xmlns="" xmlns:a16="http://schemas.microsoft.com/office/drawing/2014/main" id="{24D89E65-51EB-4198-B6C7-FDAF891583B9}"/>
+                  <a16:creationId xmlns:a16="http://schemas.microsoft.com/office/drawing/2014/main" xmlns="" id="{24D89E65-51EB-4198-B6C7-FDAF891583B9}"/>
                 </a:ext>
               </a:extLst>
             </p:cNvPr>
@@ -4229,7 +4229,7 @@
             <p:cNvPr id="52" name="正方形/長方形 51">
               <a:extLst>
                 <a:ext uri="{FF2B5EF4-FFF2-40B4-BE49-F238E27FC236}">
-                  <a16:creationId xmlns="" xmlns:a16="http://schemas.microsoft.com/office/drawing/2014/main" id="{7689586B-6CE2-4164-BF82-A9717332A424}"/>
+                  <a16:creationId xmlns:a16="http://schemas.microsoft.com/office/drawing/2014/main" xmlns="" id="{7689586B-6CE2-4164-BF82-A9717332A424}"/>
                 </a:ext>
               </a:extLst>
             </p:cNvPr>
@@ -4278,7 +4278,7 @@
             <p:cNvPr id="53" name="正方形/長方形 52">
               <a:extLst>
                 <a:ext uri="{FF2B5EF4-FFF2-40B4-BE49-F238E27FC236}">
-                  <a16:creationId xmlns="" xmlns:a16="http://schemas.microsoft.com/office/drawing/2014/main" id="{ED15DA40-951C-466C-876F-F6A24375EC23}"/>
+                  <a16:creationId xmlns:a16="http://schemas.microsoft.com/office/drawing/2014/main" xmlns="" id="{ED15DA40-951C-466C-876F-F6A24375EC23}"/>
                 </a:ext>
               </a:extLst>
             </p:cNvPr>
@@ -4382,8 +4382,8 @@
         </p:nvSpPr>
         <p:spPr>
           <a:xfrm>
-            <a:off x="5374429" y="2546108"/>
-            <a:ext cx="1390124" cy="523220"/>
+            <a:off x="5116346" y="2453775"/>
+            <a:ext cx="1906291" cy="707886"/>
           </a:xfrm>
           <a:prstGeom prst="rect">
             <a:avLst/>
@@ -4397,14 +4397,14 @@
           <a:lstStyle/>
           <a:p>
             <a:r>
-              <a:rPr lang="en-US" altLang="ja-JP" sz="2800" dirty="0" smtClean="0"/>
+              <a:rPr lang="en-US" altLang="ja-JP" sz="4000" dirty="0" smtClean="0"/>
               <a:t>2</a:t>
             </a:r>
             <a:r>
-              <a:rPr lang="ja-JP" altLang="en-US" sz="2800" dirty="0" smtClean="0"/>
+              <a:rPr lang="ja-JP" altLang="en-US" sz="4000" dirty="0" smtClean="0"/>
               <a:t>を宣言</a:t>
             </a:r>
-            <a:endParaRPr kumimoji="1" lang="ja-JP" altLang="en-US" sz="2800" dirty="0"/>
+            <a:endParaRPr kumimoji="1" lang="ja-JP" altLang="en-US" sz="4000" dirty="0"/>
           </a:p>
         </p:txBody>
       </p:sp>
@@ -4416,8 +4416,8 @@
         </p:nvSpPr>
         <p:spPr>
           <a:xfrm>
-            <a:off x="2249055" y="5104441"/>
-            <a:ext cx="583814" cy="523220"/>
+            <a:off x="2163294" y="5147464"/>
+            <a:ext cx="755335" cy="707886"/>
           </a:xfrm>
           <a:prstGeom prst="rect">
             <a:avLst/>
@@ -4431,10 +4431,10 @@
           <a:lstStyle/>
           <a:p>
             <a:r>
-              <a:rPr lang="en-US" altLang="ja-JP" sz="2800" dirty="0" smtClean="0"/>
+              <a:rPr lang="en-US" altLang="ja-JP" sz="4000" dirty="0" smtClean="0"/>
               <a:t>(a)</a:t>
             </a:r>
-            <a:endParaRPr kumimoji="1" lang="ja-JP" altLang="en-US" sz="2800" dirty="0"/>
+            <a:endParaRPr kumimoji="1" lang="ja-JP" altLang="en-US" sz="4000" dirty="0"/>
           </a:p>
         </p:txBody>
       </p:sp>
@@ -4446,8 +4446,8 @@
         </p:nvSpPr>
         <p:spPr>
           <a:xfrm>
-            <a:off x="9396114" y="5104441"/>
-            <a:ext cx="604653" cy="523220"/>
+            <a:off x="9295926" y="5147464"/>
+            <a:ext cx="784189" cy="707886"/>
           </a:xfrm>
           <a:prstGeom prst="rect">
             <a:avLst/>
@@ -4461,10 +4461,10 @@
           <a:lstStyle/>
           <a:p>
             <a:r>
-              <a:rPr lang="en-US" altLang="ja-JP" sz="2800" dirty="0" smtClean="0"/>
+              <a:rPr lang="en-US" altLang="ja-JP" sz="4000" dirty="0" smtClean="0"/>
               <a:t>(b)</a:t>
             </a:r>
-            <a:endParaRPr kumimoji="1" lang="ja-JP" altLang="en-US" sz="2800" dirty="0"/>
+            <a:endParaRPr kumimoji="1" lang="ja-JP" altLang="en-US" sz="4000" dirty="0"/>
           </a:p>
         </p:txBody>
       </p:sp>
